--- a/learningSessions.pptx
+++ b/learningSessions.pptx
@@ -29,6 +29,8 @@
     <p:sldId id="276" r:id="rId23"/>
     <p:sldId id="277" r:id="rId24"/>
     <p:sldId id="279" r:id="rId25"/>
+    <p:sldId id="280" r:id="rId26"/>
+    <p:sldId id="281" r:id="rId27"/>
   </p:sldIdLst>
   <p:sldSz cx="12192000" cy="6858000"/>
   <p:notesSz cx="6858000" cy="9144000"/>
@@ -217,7 +219,7 @@
     </inkml:brush>
   </inkml:definitions>
   <inkml:trace contextRef="#ctx0" brushRef="#br0">143 333,'347'0,"1243"-18,800-9,-1985 28,556 42,510-42,-1134-1,140 0,140 0,113 0,2522 0,-2966-1,-217 1,110-13,-156 0,-31 0</inkml:trace>
-  <inkml:trace contextRef="#ctx0" brushRef="#br0" timeOffset="1982.622">408 1,'0'1,"1"5,0 0,-1 0,0 0,0-1,-1 1,1 0,-1 0,0 0,-1-1,1 1,-1 0,0-1,-1 1,1-1,-1 0,0 0,-1 0,1 0,-1-1,0 1,-2 1,-23 17,0-2,-1-1,-1-2,-1 0,0-3,-2 0,-20 5,29-13,22-8,1 1,-1 0,0 0,0 1,0-1,0 1,1-1,-1 1,0 0,0 0,1 0,-1 0,1 0,-1 1,1-1,-1 1,1 0,0 0,0 0,0 0,0 0,0 0,0 0,1 1,-1-1,1 1,-1-1,1 1,0-1,0 1,0 0,1 0,-1-1,0 1,1 1,5 6,0 0,0-1,1 1,0-1,1 0,0-1,1 1,-1-1,2-1,-1 0,1 0,0 0,0-1,10 4,-4 0,60 39,2-3,69 30,-78-45</inkml:trace>
+  <inkml:trace contextRef="#ctx0" brushRef="#br0" timeOffset="1982.621">408 1,'0'1,"1"5,0 0,-1 0,0 0,0-1,-1 1,1 0,-1 0,0 0,-1-1,1 1,-1 0,0-1,-1 1,1-1,-1 0,0 0,-1 0,1 0,-1-1,0 1,-2 1,-23 17,0-2,-1-1,-1-2,-1 0,0-3,-2 0,-20 5,29-13,22-8,1 1,-1 0,0 0,0 1,0-1,0 1,1-1,-1 1,0 0,0 0,1 0,-1 0,1 0,-1 1,1-1,-1 1,1 0,0 0,0 0,0 0,0 0,0 0,0 0,1 1,-1-1,1 1,-1-1,1 1,0-1,0 1,0 0,1 0,-1-1,0 1,1 1,5 6,0 0,0-1,1 1,0-1,1 0,0-1,1 1,-1-1,2-1,-1 0,1 0,0 0,0-1,10 4,-4 0,60 39,2-3,69 30,-78-45</inkml:trace>
 </inkml:ink>
 </file>
 
@@ -3946,6 +3948,47 @@
           </a:p>
         </p:txBody>
       </p:sp>
+      <p:sp>
+        <p:nvSpPr>
+          <p:cNvPr id="4" name="TextBox 3">
+            <a:extLst>
+              <a:ext uri="{FF2B5EF4-FFF2-40B4-BE49-F238E27FC236}">
+                <a16:creationId xmlns:a16="http://schemas.microsoft.com/office/drawing/2014/main" id="{71C4A8C4-B899-46B3-B9D5-2EC4C25D4B62}"/>
+              </a:ext>
+            </a:extLst>
+          </p:cNvPr>
+          <p:cNvSpPr txBox="1"/>
+          <p:nvPr/>
+        </p:nvSpPr>
+        <p:spPr>
+          <a:xfrm>
+            <a:off x="10860277" y="5428211"/>
+            <a:ext cx="1331723" cy="646331"/>
+          </a:xfrm>
+          <a:prstGeom prst="rect">
+            <a:avLst/>
+          </a:prstGeom>
+          <a:noFill/>
+        </p:spPr>
+        <p:txBody>
+          <a:bodyPr wrap="square" rtlCol="0">
+            <a:spAutoFit/>
+          </a:bodyPr>
+          <a:lstStyle/>
+          <a:p>
+            <a:r>
+              <a:rPr lang="en-US" b="1" dirty="0"/>
+              <a:t>Samir Paul</a:t>
+            </a:r>
+          </a:p>
+          <a:p>
+            <a:r>
+              <a:rPr lang="en-US" b="1" dirty="0"/>
+              <a:t>A0507124</a:t>
+            </a:r>
+          </a:p>
+        </p:txBody>
+      </p:sp>
     </p:spTree>
     <p:extLst>
       <p:ext uri="{BB962C8B-B14F-4D97-AF65-F5344CB8AC3E}">
@@ -4386,7 +4429,7 @@
             </a:r>
             <a:r>
               <a:rPr lang="en-US" dirty="0"/>
-              <a:t> keyword is used to refer to class properties. this keyword is used to refer to class properties or methods of the current instance/object.</a:t>
+              <a:t> keyword is used to refer to class properties or methods of the current instance/object.</a:t>
             </a:r>
           </a:p>
           <a:p>
@@ -4728,8 +4771,8 @@
         </p:nvSpPr>
         <p:spPr>
           <a:xfrm>
-            <a:off x="1130270" y="1526650"/>
-            <a:ext cx="9603275" cy="3939695"/>
+            <a:off x="204307" y="1526650"/>
+            <a:ext cx="11774333" cy="3939695"/>
           </a:xfrm>
         </p:spPr>
         <p:txBody>
@@ -4738,7 +4781,7 @@
           <a:p>
             <a:r>
               <a:rPr lang="en-US" dirty="0"/>
-              <a:t>Create two objects (o1, o2) of a class. Assign one object to another(o1 = o2). That means making the memory pointers of the two objects equal. So if we make changes with o2 that change will be reflected on o1.</a:t>
+              <a:t>Create two objects (pkt_1, pkt_2) of a class. Assign one object to another(pkt_1 = pkt_2). That means making the memory pointers of the two objects equal. So if we make changes with pkt_2 that change will be reflected on pkt_1.</a:t>
             </a:r>
           </a:p>
         </p:txBody>
@@ -4765,7 +4808,7 @@
         </p:blipFill>
         <p:spPr>
           <a:xfrm>
-            <a:off x="1458455" y="2761442"/>
+            <a:off x="1473772" y="2706191"/>
             <a:ext cx="5157030" cy="4049987"/>
           </a:xfrm>
           <a:prstGeom prst="rect">
@@ -4947,22 +4990,13 @@
         </p:nvSpPr>
         <p:spPr>
           <a:xfrm>
-            <a:off x="1130270" y="1614115"/>
-            <a:ext cx="9603275" cy="3852230"/>
+            <a:off x="856212" y="1614115"/>
+            <a:ext cx="9877334" cy="3852230"/>
           </a:xfrm>
         </p:spPr>
         <p:txBody>
           <a:bodyPr/>
           <a:lstStyle/>
-          <a:p>
-            <a:pPr marL="0" indent="0">
-              <a:buNone/>
-            </a:pPr>
-            <a:r>
-              <a:rPr lang="en-US" dirty="0"/>
-              <a:t>&gt; Inheritance is an OOP concept that allows the user to create classes that are built upon existing classes. </a:t>
-            </a:r>
-          </a:p>
           <a:p>
             <a:pPr marL="0" indent="0">
               <a:buNone/>
@@ -5139,9 +5173,8 @@
           <a:p>
             <a:r>
               <a:rPr lang="en-US" dirty="0"/>
-              <a:t>A virtual method is a virtual function or task from the base class which can be overridden by a method of its child class having the same signature (same method name and arguments). In simple words, When a child class handle is assigned to its base class.</a:t>
-            </a:r>
-            <a:endParaRPr lang="en-IN" dirty="0"/>
+              <a:t>A virtual method is a virtual function or task from the base class which can be overridden by a method of its child class having the same signature (same method name and arguments). </a:t>
+            </a:r>
           </a:p>
           <a:p>
             <a:r>
@@ -5191,8 +5224,8 @@
           </a:prstGeom>
         </p:spPr>
       </p:pic>
-      <mc:AlternateContent xmlns:mc="http://schemas.openxmlformats.org/markup-compatibility/2006">
-        <mc:Choice xmlns:p14="http://schemas.microsoft.com/office/powerpoint/2010/main" Requires="p14">
+      <mc:AlternateContent xmlns:mc="http://schemas.openxmlformats.org/markup-compatibility/2006" xmlns:p14="http://schemas.microsoft.com/office/powerpoint/2010/main">
+        <mc:Choice Requires="p14">
           <p:contentPart p14:bwMode="auto" r:id="rId3">
             <p14:nvContentPartPr>
               <p14:cNvPr id="11" name="Ink 10">
@@ -5211,7 +5244,7 @@
             </p14:xfrm>
           </p:contentPart>
         </mc:Choice>
-        <mc:Fallback>
+        <mc:Fallback xmlns="">
           <p:pic>
             <p:nvPicPr>
               <p:cNvPr id="11" name="Ink 10">
@@ -5804,8 +5837,8 @@
         </p:nvSpPr>
         <p:spPr>
           <a:xfrm>
-            <a:off x="540689" y="1614114"/>
-            <a:ext cx="11298803" cy="4532243"/>
+            <a:off x="384629" y="1614114"/>
+            <a:ext cx="11454863" cy="4532243"/>
           </a:xfrm>
         </p:spPr>
         <p:txBody>
@@ -6776,6 +6809,166 @@
 </p:sld>
 </file>
 
+<file path=ppt/slides/slide25.xml><?xml version="1.0" encoding="utf-8"?>
+<p:sld xmlns:a="http://schemas.openxmlformats.org/drawingml/2006/main" xmlns:r="http://schemas.openxmlformats.org/officeDocument/2006/relationships" xmlns:p="http://schemas.openxmlformats.org/presentationml/2006/main">
+  <p:cSld>
+    <p:spTree>
+      <p:nvGrpSpPr>
+        <p:cNvPr id="1" name=""/>
+        <p:cNvGrpSpPr/>
+        <p:nvPr/>
+      </p:nvGrpSpPr>
+      <p:grpSpPr>
+        <a:xfrm>
+          <a:off x="0" y="0"/>
+          <a:ext cx="0" cy="0"/>
+          <a:chOff x="0" y="0"/>
+          <a:chExt cx="0" cy="0"/>
+        </a:xfrm>
+      </p:grpSpPr>
+      <p:sp>
+        <p:nvSpPr>
+          <p:cNvPr id="2" name="Title 1">
+            <a:extLst>
+              <a:ext uri="{FF2B5EF4-FFF2-40B4-BE49-F238E27FC236}">
+                <a16:creationId xmlns:a16="http://schemas.microsoft.com/office/drawing/2014/main" id="{3B54298E-9FEE-4A2B-A8EE-20B9A3D2A27A}"/>
+              </a:ext>
+            </a:extLst>
+          </p:cNvPr>
+          <p:cNvSpPr>
+            <a:spLocks noGrp="1"/>
+          </p:cNvSpPr>
+          <p:nvPr>
+            <p:ph type="title"/>
+          </p:nvPr>
+        </p:nvSpPr>
+        <p:spPr/>
+        <p:txBody>
+          <a:bodyPr/>
+          <a:lstStyle/>
+          <a:p>
+            <a:r>
+              <a:rPr lang="en-US" b="1" dirty="0"/>
+              <a:t>Source Code</a:t>
+            </a:r>
+          </a:p>
+        </p:txBody>
+      </p:sp>
+      <p:sp>
+        <p:nvSpPr>
+          <p:cNvPr id="3" name="Content Placeholder 2">
+            <a:extLst>
+              <a:ext uri="{FF2B5EF4-FFF2-40B4-BE49-F238E27FC236}">
+                <a16:creationId xmlns:a16="http://schemas.microsoft.com/office/drawing/2014/main" id="{4C9E4C3D-39D8-4079-94DB-D1CDCB1D35DB}"/>
+              </a:ext>
+            </a:extLst>
+          </p:cNvPr>
+          <p:cNvSpPr>
+            <a:spLocks noGrp="1"/>
+          </p:cNvSpPr>
+          <p:nvPr>
+            <p:ph idx="1"/>
+          </p:nvPr>
+        </p:nvSpPr>
+        <p:spPr/>
+        <p:txBody>
+          <a:bodyPr>
+            <a:normAutofit/>
+          </a:bodyPr>
+          <a:lstStyle/>
+          <a:p>
+            <a:r>
+              <a:rPr lang="en-US" sz="2400" b="1" dirty="0">
+                <a:hlinkClick r:id="rId2"/>
+              </a:rPr>
+              <a:t>https://github.com/samirti/sv</a:t>
+            </a:r>
+            <a:endParaRPr lang="en-US" sz="2400" b="1" dirty="0"/>
+          </a:p>
+        </p:txBody>
+      </p:sp>
+    </p:spTree>
+    <p:extLst>
+      <p:ext uri="{BB962C8B-B14F-4D97-AF65-F5344CB8AC3E}">
+        <p14:creationId xmlns:p14="http://schemas.microsoft.com/office/powerpoint/2010/main" val="2122299649"/>
+      </p:ext>
+    </p:extLst>
+  </p:cSld>
+  <p:clrMapOvr>
+    <a:masterClrMapping/>
+  </p:clrMapOvr>
+</p:sld>
+</file>
+
+<file path=ppt/slides/slide26.xml><?xml version="1.0" encoding="utf-8"?>
+<p:sld xmlns:a="http://schemas.openxmlformats.org/drawingml/2006/main" xmlns:r="http://schemas.openxmlformats.org/officeDocument/2006/relationships" xmlns:p="http://schemas.openxmlformats.org/presentationml/2006/main">
+  <p:cSld>
+    <p:spTree>
+      <p:nvGrpSpPr>
+        <p:cNvPr id="1" name=""/>
+        <p:cNvGrpSpPr/>
+        <p:nvPr/>
+      </p:nvGrpSpPr>
+      <p:grpSpPr>
+        <a:xfrm>
+          <a:off x="0" y="0"/>
+          <a:ext cx="0" cy="0"/>
+          <a:chOff x="0" y="0"/>
+          <a:chExt cx="0" cy="0"/>
+        </a:xfrm>
+      </p:grpSpPr>
+      <p:sp>
+        <p:nvSpPr>
+          <p:cNvPr id="2" name="Title 1">
+            <a:extLst>
+              <a:ext uri="{FF2B5EF4-FFF2-40B4-BE49-F238E27FC236}">
+                <a16:creationId xmlns:a16="http://schemas.microsoft.com/office/drawing/2014/main" id="{64D37C6D-AEC5-4559-B25B-018DFADA20FD}"/>
+              </a:ext>
+            </a:extLst>
+          </p:cNvPr>
+          <p:cNvSpPr>
+            <a:spLocks noGrp="1"/>
+          </p:cNvSpPr>
+          <p:nvPr>
+            <p:ph type="title"/>
+          </p:nvPr>
+        </p:nvSpPr>
+        <p:spPr>
+          <a:xfrm>
+            <a:off x="4229069" y="2593438"/>
+            <a:ext cx="9603275" cy="1049235"/>
+          </a:xfrm>
+        </p:spPr>
+        <p:txBody>
+          <a:bodyPr>
+            <a:normAutofit/>
+          </a:bodyPr>
+          <a:lstStyle/>
+          <a:p>
+            <a:r>
+              <a:rPr lang="en-US" sz="5400" b="1" dirty="0">
+                <a:solidFill>
+                  <a:srgbClr val="00B050"/>
+                </a:solidFill>
+              </a:rPr>
+              <a:t>Thank You</a:t>
+            </a:r>
+          </a:p>
+        </p:txBody>
+      </p:sp>
+    </p:spTree>
+    <p:extLst>
+      <p:ext uri="{BB962C8B-B14F-4D97-AF65-F5344CB8AC3E}">
+        <p14:creationId xmlns:p14="http://schemas.microsoft.com/office/powerpoint/2010/main" val="2220637811"/>
+      </p:ext>
+    </p:extLst>
+  </p:cSld>
+  <p:clrMapOvr>
+    <a:masterClrMapping/>
+  </p:clrMapOvr>
+</p:sld>
+</file>
+
 <file path=ppt/slides/slide3.xml><?xml version="1.0" encoding="utf-8"?>
 <p:sld xmlns:a="http://schemas.openxmlformats.org/drawingml/2006/main" xmlns:r="http://schemas.openxmlformats.org/officeDocument/2006/relationships" xmlns:p="http://schemas.openxmlformats.org/presentationml/2006/main">
   <p:cSld>
@@ -7430,8 +7623,8 @@
         </p:nvSpPr>
         <p:spPr>
           <a:xfrm>
-            <a:off x="1130270" y="1614115"/>
-            <a:ext cx="9603275" cy="3852230"/>
+            <a:off x="1130270" y="1614114"/>
+            <a:ext cx="10200339" cy="4126727"/>
           </a:xfrm>
         </p:spPr>
         <p:txBody>
@@ -7459,6 +7652,12 @@
             <a:r>
               <a:rPr lang="en-US" dirty="0"/>
               <a:t>The performance of both task and function approaches are the same.</a:t>
+            </a:r>
+          </a:p>
+          <a:p>
+            <a:r>
+              <a:rPr lang="en-US" dirty="0"/>
+              <a:t>Function can return only a single value but task can calculate multiple values and return them using output and input type arguments.</a:t>
             </a:r>
           </a:p>
           <a:p>
@@ -7668,7 +7867,12 @@
             <p:ph type="title"/>
           </p:nvPr>
         </p:nvSpPr>
-        <p:spPr/>
+        <p:spPr>
+          <a:xfrm>
+            <a:off x="1130270" y="953324"/>
+            <a:ext cx="9603275" cy="709221"/>
+          </a:xfrm>
+        </p:spPr>
         <p:txBody>
           <a:bodyPr>
             <a:normAutofit/>
@@ -7701,11 +7905,13 @@
         <p:spPr>
           <a:xfrm>
             <a:off x="1130271" y="2171769"/>
-            <a:ext cx="7218600" cy="3294576"/>
-          </a:xfrm>
-        </p:spPr>
-        <p:txBody>
-          <a:bodyPr/>
+            <a:ext cx="7218600" cy="4362450"/>
+          </a:xfrm>
+        </p:spPr>
+        <p:txBody>
+          <a:bodyPr>
+            <a:normAutofit/>
+          </a:bodyPr>
           <a:lstStyle/>
           <a:p>
             <a:r>
@@ -7730,7 +7936,13 @@
           <a:p>
             <a:r>
               <a:rPr lang="en-US" dirty="0"/>
-              <a:t>Object = A specific car of any model, like the car you own.</a:t>
+              <a:t>object is a specific instance of a class; it contains real values instead of variables.</a:t>
+            </a:r>
+          </a:p>
+          <a:p>
+            <a:r>
+              <a:rPr lang="en-US" dirty="0"/>
+              <a:t>A specific car of any model is an object.</a:t>
             </a:r>
           </a:p>
           <a:p>

--- a/learningSessions.pptx
+++ b/learningSessions.pptx
@@ -6881,7 +6881,7 @@
               <a:rPr lang="en-US" sz="2400" b="1" dirty="0">
                 <a:hlinkClick r:id="rId2"/>
               </a:rPr>
-              <a:t>https://github.com/samirti/sv</a:t>
+              <a:t>github.com/samirti/sv</a:t>
             </a:r>
             <a:endParaRPr lang="en-US" sz="2400" b="1" dirty="0"/>
           </a:p>
@@ -7980,6 +7980,45 @@
           </a:prstGeom>
         </p:spPr>
       </p:pic>
+      <p:sp>
+        <p:nvSpPr>
+          <p:cNvPr id="5" name="TextBox 4">
+            <a:extLst>
+              <a:ext uri="{FF2B5EF4-FFF2-40B4-BE49-F238E27FC236}">
+                <a16:creationId xmlns:a16="http://schemas.microsoft.com/office/drawing/2014/main" id="{8B5754A2-C013-49D6-B373-3CA416F501C6}"/>
+              </a:ext>
+            </a:extLst>
+          </p:cNvPr>
+          <p:cNvSpPr txBox="1"/>
+          <p:nvPr/>
+        </p:nvSpPr>
+        <p:spPr>
+          <a:xfrm flipH="1">
+            <a:off x="391885" y="6263329"/>
+            <a:ext cx="11575142" cy="369332"/>
+          </a:xfrm>
+          <a:prstGeom prst="rect">
+            <a:avLst/>
+          </a:prstGeom>
+          <a:noFill/>
+        </p:spPr>
+        <p:txBody>
+          <a:bodyPr wrap="square" rtlCol="0">
+            <a:spAutoFit/>
+          </a:bodyPr>
+          <a:lstStyle/>
+          <a:p>
+            <a:r>
+              <a:rPr lang="en-US" b="1" dirty="0">
+                <a:solidFill>
+                  <a:schemeClr val="bg1"/>
+                </a:solidFill>
+              </a:rPr>
+              <a:t>Note: classes are translated during compile time, and objects are created from classes at runtime</a:t>
+            </a:r>
+          </a:p>
+        </p:txBody>
+      </p:sp>
     </p:spTree>
     <p:extLst>
       <p:ext uri="{BB962C8B-B14F-4D97-AF65-F5344CB8AC3E}">
